--- a/14_big_data/05-Duragan-Veri-Analizi/03_apache_spark_rdd_low_level_api/02_rdd_basic_transformations_and_actions.pptx
+++ b/14_big_data/05-Duragan-Veri-Analizi/03_apache_spark_rdd_low_level_api/02_rdd_basic_transformations_and_actions.pptx
@@ -880,6 +880,450 @@
       </pc:sldChg>
     </pc:docChg>
   </pc:docChgLst>
+  <pc:docChgLst>
+    <pc:chgData name="Erkan ŞİRİN" userId="7f10ce1d6aaf8c5d" providerId="LiveId" clId="{B6264D81-4B56-4E44-A3F0-29F5E63BC2BA}"/>
+    <pc:docChg chg="custSel modSld">
+      <pc:chgData name="Erkan ŞİRİN" userId="7f10ce1d6aaf8c5d" providerId="LiveId" clId="{B6264D81-4B56-4E44-A3F0-29F5E63BC2BA}" dt="2019-07-23T20:49:15.287" v="28" actId="478"/>
+      <pc:docMkLst>
+        <pc:docMk/>
+      </pc:docMkLst>
+      <pc:sldChg chg="delSp">
+        <pc:chgData name="Erkan ŞİRİN" userId="7f10ce1d6aaf8c5d" providerId="LiveId" clId="{B6264D81-4B56-4E44-A3F0-29F5E63BC2BA}" dt="2019-07-23T20:47:34.955" v="0" actId="478"/>
+        <pc:sldMkLst>
+          <pc:docMk/>
+          <pc:sldMk cId="1416118015" sldId="257"/>
+        </pc:sldMkLst>
+        <pc:picChg chg="del">
+          <ac:chgData name="Erkan ŞİRİN" userId="7f10ce1d6aaf8c5d" providerId="LiveId" clId="{B6264D81-4B56-4E44-A3F0-29F5E63BC2BA}" dt="2019-07-23T20:47:34.955" v="0" actId="478"/>
+          <ac:picMkLst>
+            <pc:docMk/>
+            <pc:sldMk cId="1416118015" sldId="257"/>
+            <ac:picMk id="13" creationId="{AAFC7EB2-7A5F-4F3C-A307-FCA6B6C55226}"/>
+          </ac:picMkLst>
+        </pc:picChg>
+      </pc:sldChg>
+      <pc:sldChg chg="delSp">
+        <pc:chgData name="Erkan ŞİRİN" userId="7f10ce1d6aaf8c5d" providerId="LiveId" clId="{B6264D81-4B56-4E44-A3F0-29F5E63BC2BA}" dt="2019-07-23T20:47:52.373" v="5" actId="478"/>
+        <pc:sldMkLst>
+          <pc:docMk/>
+          <pc:sldMk cId="3172400932" sldId="267"/>
+        </pc:sldMkLst>
+        <pc:picChg chg="del">
+          <ac:chgData name="Erkan ŞİRİN" userId="7f10ce1d6aaf8c5d" providerId="LiveId" clId="{B6264D81-4B56-4E44-A3F0-29F5E63BC2BA}" dt="2019-07-23T20:47:52.373" v="5" actId="478"/>
+          <ac:picMkLst>
+            <pc:docMk/>
+            <pc:sldMk cId="3172400932" sldId="267"/>
+            <ac:picMk id="21" creationId="{7601D01C-8B7F-483E-AA3B-06E9E936DAD1}"/>
+          </ac:picMkLst>
+        </pc:picChg>
+      </pc:sldChg>
+      <pc:sldChg chg="delSp">
+        <pc:chgData name="Erkan ŞİRİN" userId="7f10ce1d6aaf8c5d" providerId="LiveId" clId="{B6264D81-4B56-4E44-A3F0-29F5E63BC2BA}" dt="2019-07-23T20:47:48.949" v="4" actId="478"/>
+        <pc:sldMkLst>
+          <pc:docMk/>
+          <pc:sldMk cId="471073926" sldId="273"/>
+        </pc:sldMkLst>
+        <pc:picChg chg="del">
+          <ac:chgData name="Erkan ŞİRİN" userId="7f10ce1d6aaf8c5d" providerId="LiveId" clId="{B6264D81-4B56-4E44-A3F0-29F5E63BC2BA}" dt="2019-07-23T20:47:48.949" v="4" actId="478"/>
+          <ac:picMkLst>
+            <pc:docMk/>
+            <pc:sldMk cId="471073926" sldId="273"/>
+            <ac:picMk id="13" creationId="{6209FC37-3E20-4775-B0D3-7A49F58D952D}"/>
+          </ac:picMkLst>
+        </pc:picChg>
+      </pc:sldChg>
+      <pc:sldChg chg="delSp">
+        <pc:chgData name="Erkan ŞİRİN" userId="7f10ce1d6aaf8c5d" providerId="LiveId" clId="{B6264D81-4B56-4E44-A3F0-29F5E63BC2BA}" dt="2019-07-23T20:47:56.030" v="6" actId="478"/>
+        <pc:sldMkLst>
+          <pc:docMk/>
+          <pc:sldMk cId="85706683" sldId="276"/>
+        </pc:sldMkLst>
+        <pc:picChg chg="del">
+          <ac:chgData name="Erkan ŞİRİN" userId="7f10ce1d6aaf8c5d" providerId="LiveId" clId="{B6264D81-4B56-4E44-A3F0-29F5E63BC2BA}" dt="2019-07-23T20:47:56.030" v="6" actId="478"/>
+          <ac:picMkLst>
+            <pc:docMk/>
+            <pc:sldMk cId="85706683" sldId="276"/>
+            <ac:picMk id="22" creationId="{1D7213A0-BDA5-4E0E-9FD1-84EA68A0C1BA}"/>
+          </ac:picMkLst>
+        </pc:picChg>
+      </pc:sldChg>
+      <pc:sldChg chg="delSp">
+        <pc:chgData name="Erkan ŞİRİN" userId="7f10ce1d6aaf8c5d" providerId="LiveId" clId="{B6264D81-4B56-4E44-A3F0-29F5E63BC2BA}" dt="2019-07-23T20:47:59.337" v="7" actId="478"/>
+        <pc:sldMkLst>
+          <pc:docMk/>
+          <pc:sldMk cId="3195512405" sldId="277"/>
+        </pc:sldMkLst>
+        <pc:picChg chg="del">
+          <ac:chgData name="Erkan ŞİRİN" userId="7f10ce1d6aaf8c5d" providerId="LiveId" clId="{B6264D81-4B56-4E44-A3F0-29F5E63BC2BA}" dt="2019-07-23T20:47:59.337" v="7" actId="478"/>
+          <ac:picMkLst>
+            <pc:docMk/>
+            <pc:sldMk cId="3195512405" sldId="277"/>
+            <ac:picMk id="26" creationId="{63D017B3-29D8-4FF1-9D51-0C7AA10CAA4B}"/>
+          </ac:picMkLst>
+        </pc:picChg>
+      </pc:sldChg>
+      <pc:sldChg chg="delSp">
+        <pc:chgData name="Erkan ŞİRİN" userId="7f10ce1d6aaf8c5d" providerId="LiveId" clId="{B6264D81-4B56-4E44-A3F0-29F5E63BC2BA}" dt="2019-07-23T20:48:05.978" v="9" actId="478"/>
+        <pc:sldMkLst>
+          <pc:docMk/>
+          <pc:sldMk cId="4110082741" sldId="287"/>
+        </pc:sldMkLst>
+        <pc:picChg chg="del">
+          <ac:chgData name="Erkan ŞİRİN" userId="7f10ce1d6aaf8c5d" providerId="LiveId" clId="{B6264D81-4B56-4E44-A3F0-29F5E63BC2BA}" dt="2019-07-23T20:48:05.978" v="9" actId="478"/>
+          <ac:picMkLst>
+            <pc:docMk/>
+            <pc:sldMk cId="4110082741" sldId="287"/>
+            <ac:picMk id="11" creationId="{01D0297B-5821-4481-B03F-EDE971E25C5D}"/>
+          </ac:picMkLst>
+        </pc:picChg>
+      </pc:sldChg>
+      <pc:sldChg chg="delSp">
+        <pc:chgData name="Erkan ŞİRİN" userId="7f10ce1d6aaf8c5d" providerId="LiveId" clId="{B6264D81-4B56-4E44-A3F0-29F5E63BC2BA}" dt="2019-07-23T20:47:45.614" v="3" actId="478"/>
+        <pc:sldMkLst>
+          <pc:docMk/>
+          <pc:sldMk cId="3626342273" sldId="288"/>
+        </pc:sldMkLst>
+        <pc:picChg chg="del">
+          <ac:chgData name="Erkan ŞİRİN" userId="7f10ce1d6aaf8c5d" providerId="LiveId" clId="{B6264D81-4B56-4E44-A3F0-29F5E63BC2BA}" dt="2019-07-23T20:47:45.614" v="3" actId="478"/>
+          <ac:picMkLst>
+            <pc:docMk/>
+            <pc:sldMk cId="3626342273" sldId="288"/>
+            <ac:picMk id="11" creationId="{7B32EF2D-3F47-493A-AA61-5BD58589A420}"/>
+          </ac:picMkLst>
+        </pc:picChg>
+      </pc:sldChg>
+      <pc:sldChg chg="delSp">
+        <pc:chgData name="Erkan ŞİRİN" userId="7f10ce1d6aaf8c5d" providerId="LiveId" clId="{B6264D81-4B56-4E44-A3F0-29F5E63BC2BA}" dt="2019-07-23T20:48:09.269" v="10" actId="478"/>
+        <pc:sldMkLst>
+          <pc:docMk/>
+          <pc:sldMk cId="94430372" sldId="289"/>
+        </pc:sldMkLst>
+        <pc:picChg chg="del">
+          <ac:chgData name="Erkan ŞİRİN" userId="7f10ce1d6aaf8c5d" providerId="LiveId" clId="{B6264D81-4B56-4E44-A3F0-29F5E63BC2BA}" dt="2019-07-23T20:48:09.269" v="10" actId="478"/>
+          <ac:picMkLst>
+            <pc:docMk/>
+            <pc:sldMk cId="94430372" sldId="289"/>
+            <ac:picMk id="13" creationId="{7EEC17AA-04B0-4D45-94C4-3ECA5498DF45}"/>
+          </ac:picMkLst>
+        </pc:picChg>
+      </pc:sldChg>
+      <pc:sldChg chg="delSp">
+        <pc:chgData name="Erkan ŞİRİN" userId="7f10ce1d6aaf8c5d" providerId="LiveId" clId="{B6264D81-4B56-4E44-A3F0-29F5E63BC2BA}" dt="2019-07-23T20:48:12.554" v="11" actId="478"/>
+        <pc:sldMkLst>
+          <pc:docMk/>
+          <pc:sldMk cId="1877376589" sldId="290"/>
+        </pc:sldMkLst>
+        <pc:picChg chg="del">
+          <ac:chgData name="Erkan ŞİRİN" userId="7f10ce1d6aaf8c5d" providerId="LiveId" clId="{B6264D81-4B56-4E44-A3F0-29F5E63BC2BA}" dt="2019-07-23T20:48:12.554" v="11" actId="478"/>
+          <ac:picMkLst>
+            <pc:docMk/>
+            <pc:sldMk cId="1877376589" sldId="290"/>
+            <ac:picMk id="25" creationId="{4E340FA4-228A-4330-A215-9D41994506B1}"/>
+          </ac:picMkLst>
+        </pc:picChg>
+      </pc:sldChg>
+      <pc:sldChg chg="delSp">
+        <pc:chgData name="Erkan ŞİRİN" userId="7f10ce1d6aaf8c5d" providerId="LiveId" clId="{B6264D81-4B56-4E44-A3F0-29F5E63BC2BA}" dt="2019-07-23T20:48:15.897" v="12" actId="478"/>
+        <pc:sldMkLst>
+          <pc:docMk/>
+          <pc:sldMk cId="1967802255" sldId="291"/>
+        </pc:sldMkLst>
+        <pc:picChg chg="del">
+          <ac:chgData name="Erkan ŞİRİN" userId="7f10ce1d6aaf8c5d" providerId="LiveId" clId="{B6264D81-4B56-4E44-A3F0-29F5E63BC2BA}" dt="2019-07-23T20:48:15.897" v="12" actId="478"/>
+          <ac:picMkLst>
+            <pc:docMk/>
+            <pc:sldMk cId="1967802255" sldId="291"/>
+            <ac:picMk id="25" creationId="{EB57CF6D-ABE6-4FD3-84CF-E80866CB9D51}"/>
+          </ac:picMkLst>
+        </pc:picChg>
+      </pc:sldChg>
+      <pc:sldChg chg="delSp">
+        <pc:chgData name="Erkan ŞİRİN" userId="7f10ce1d6aaf8c5d" providerId="LiveId" clId="{B6264D81-4B56-4E44-A3F0-29F5E63BC2BA}" dt="2019-07-23T20:48:19.248" v="13" actId="478"/>
+        <pc:sldMkLst>
+          <pc:docMk/>
+          <pc:sldMk cId="1792347782" sldId="292"/>
+        </pc:sldMkLst>
+        <pc:picChg chg="del">
+          <ac:chgData name="Erkan ŞİRİN" userId="7f10ce1d6aaf8c5d" providerId="LiveId" clId="{B6264D81-4B56-4E44-A3F0-29F5E63BC2BA}" dt="2019-07-23T20:48:19.248" v="13" actId="478"/>
+          <ac:picMkLst>
+            <pc:docMk/>
+            <pc:sldMk cId="1792347782" sldId="292"/>
+            <ac:picMk id="25" creationId="{2A6BBE33-A9E6-4A4F-B5A1-D0E1BAA1DAFA}"/>
+          </ac:picMkLst>
+        </pc:picChg>
+      </pc:sldChg>
+      <pc:sldChg chg="delSp">
+        <pc:chgData name="Erkan ŞİRİN" userId="7f10ce1d6aaf8c5d" providerId="LiveId" clId="{B6264D81-4B56-4E44-A3F0-29F5E63BC2BA}" dt="2019-07-23T20:48:22.300" v="14" actId="478"/>
+        <pc:sldMkLst>
+          <pc:docMk/>
+          <pc:sldMk cId="3191203626" sldId="293"/>
+        </pc:sldMkLst>
+        <pc:picChg chg="del">
+          <ac:chgData name="Erkan ŞİRİN" userId="7f10ce1d6aaf8c5d" providerId="LiveId" clId="{B6264D81-4B56-4E44-A3F0-29F5E63BC2BA}" dt="2019-07-23T20:48:22.300" v="14" actId="478"/>
+          <ac:picMkLst>
+            <pc:docMk/>
+            <pc:sldMk cId="3191203626" sldId="293"/>
+            <ac:picMk id="25" creationId="{5F8822D8-B1F1-4B84-BF8B-2EF02C9A13E8}"/>
+          </ac:picMkLst>
+        </pc:picChg>
+      </pc:sldChg>
+      <pc:sldChg chg="delSp">
+        <pc:chgData name="Erkan ŞİRİN" userId="7f10ce1d6aaf8c5d" providerId="LiveId" clId="{B6264D81-4B56-4E44-A3F0-29F5E63BC2BA}" dt="2019-07-23T20:48:32.938" v="16" actId="478"/>
+        <pc:sldMkLst>
+          <pc:docMk/>
+          <pc:sldMk cId="3594275928" sldId="295"/>
+        </pc:sldMkLst>
+        <pc:picChg chg="del">
+          <ac:chgData name="Erkan ŞİRİN" userId="7f10ce1d6aaf8c5d" providerId="LiveId" clId="{B6264D81-4B56-4E44-A3F0-29F5E63BC2BA}" dt="2019-07-23T20:48:32.938" v="16" actId="478"/>
+          <ac:picMkLst>
+            <pc:docMk/>
+            <pc:sldMk cId="3594275928" sldId="295"/>
+            <ac:picMk id="14" creationId="{EF5A74A4-2557-4596-AE56-7A8A776601CA}"/>
+          </ac:picMkLst>
+        </pc:picChg>
+      </pc:sldChg>
+      <pc:sldChg chg="delSp">
+        <pc:chgData name="Erkan ŞİRİN" userId="7f10ce1d6aaf8c5d" providerId="LiveId" clId="{B6264D81-4B56-4E44-A3F0-29F5E63BC2BA}" dt="2019-07-23T20:48:35.927" v="17" actId="478"/>
+        <pc:sldMkLst>
+          <pc:docMk/>
+          <pc:sldMk cId="1136535258" sldId="296"/>
+        </pc:sldMkLst>
+        <pc:picChg chg="del">
+          <ac:chgData name="Erkan ŞİRİN" userId="7f10ce1d6aaf8c5d" providerId="LiveId" clId="{B6264D81-4B56-4E44-A3F0-29F5E63BC2BA}" dt="2019-07-23T20:48:35.927" v="17" actId="478"/>
+          <ac:picMkLst>
+            <pc:docMk/>
+            <pc:sldMk cId="1136535258" sldId="296"/>
+            <ac:picMk id="20" creationId="{6186FC3D-BB61-4E6F-B7F2-615DD3A515FC}"/>
+          </ac:picMkLst>
+        </pc:picChg>
+      </pc:sldChg>
+      <pc:sldChg chg="delSp">
+        <pc:chgData name="Erkan ŞİRİN" userId="7f10ce1d6aaf8c5d" providerId="LiveId" clId="{B6264D81-4B56-4E44-A3F0-29F5E63BC2BA}" dt="2019-07-23T20:48:38.825" v="18" actId="478"/>
+        <pc:sldMkLst>
+          <pc:docMk/>
+          <pc:sldMk cId="4107840839" sldId="298"/>
+        </pc:sldMkLst>
+        <pc:picChg chg="del">
+          <ac:chgData name="Erkan ŞİRİN" userId="7f10ce1d6aaf8c5d" providerId="LiveId" clId="{B6264D81-4B56-4E44-A3F0-29F5E63BC2BA}" dt="2019-07-23T20:48:38.825" v="18" actId="478"/>
+          <ac:picMkLst>
+            <pc:docMk/>
+            <pc:sldMk cId="4107840839" sldId="298"/>
+            <ac:picMk id="20" creationId="{56FFB7A7-1EC8-4123-905E-C727E8C99BB7}"/>
+          </ac:picMkLst>
+        </pc:picChg>
+      </pc:sldChg>
+      <pc:sldChg chg="delSp">
+        <pc:chgData name="Erkan ŞİRİN" userId="7f10ce1d6aaf8c5d" providerId="LiveId" clId="{B6264D81-4B56-4E44-A3F0-29F5E63BC2BA}" dt="2019-07-23T20:48:41.981" v="19" actId="478"/>
+        <pc:sldMkLst>
+          <pc:docMk/>
+          <pc:sldMk cId="2842495694" sldId="299"/>
+        </pc:sldMkLst>
+        <pc:picChg chg="del">
+          <ac:chgData name="Erkan ŞİRİN" userId="7f10ce1d6aaf8c5d" providerId="LiveId" clId="{B6264D81-4B56-4E44-A3F0-29F5E63BC2BA}" dt="2019-07-23T20:48:41.981" v="19" actId="478"/>
+          <ac:picMkLst>
+            <pc:docMk/>
+            <pc:sldMk cId="2842495694" sldId="299"/>
+            <ac:picMk id="20" creationId="{129AE02B-C034-4420-9C0A-27871B5F634F}"/>
+          </ac:picMkLst>
+        </pc:picChg>
+      </pc:sldChg>
+      <pc:sldChg chg="delSp">
+        <pc:chgData name="Erkan ŞİRİN" userId="7f10ce1d6aaf8c5d" providerId="LiveId" clId="{B6264D81-4B56-4E44-A3F0-29F5E63BC2BA}" dt="2019-07-23T20:48:45.690" v="20" actId="478"/>
+        <pc:sldMkLst>
+          <pc:docMk/>
+          <pc:sldMk cId="656594921" sldId="300"/>
+        </pc:sldMkLst>
+        <pc:picChg chg="del">
+          <ac:chgData name="Erkan ŞİRİN" userId="7f10ce1d6aaf8c5d" providerId="LiveId" clId="{B6264D81-4B56-4E44-A3F0-29F5E63BC2BA}" dt="2019-07-23T20:48:45.690" v="20" actId="478"/>
+          <ac:picMkLst>
+            <pc:docMk/>
+            <pc:sldMk cId="656594921" sldId="300"/>
+            <ac:picMk id="20" creationId="{D14019F3-D6A4-44C9-977F-98DE73C02B7D}"/>
+          </ac:picMkLst>
+        </pc:picChg>
+      </pc:sldChg>
+      <pc:sldChg chg="delSp">
+        <pc:chgData name="Erkan ŞİRİN" userId="7f10ce1d6aaf8c5d" providerId="LiveId" clId="{B6264D81-4B56-4E44-A3F0-29F5E63BC2BA}" dt="2019-07-23T20:48:49.217" v="21" actId="478"/>
+        <pc:sldMkLst>
+          <pc:docMk/>
+          <pc:sldMk cId="615326874" sldId="301"/>
+        </pc:sldMkLst>
+        <pc:picChg chg="del">
+          <ac:chgData name="Erkan ŞİRİN" userId="7f10ce1d6aaf8c5d" providerId="LiveId" clId="{B6264D81-4B56-4E44-A3F0-29F5E63BC2BA}" dt="2019-07-23T20:48:49.217" v="21" actId="478"/>
+          <ac:picMkLst>
+            <pc:docMk/>
+            <pc:sldMk cId="615326874" sldId="301"/>
+            <ac:picMk id="20" creationId="{B06E2AC6-A847-45D6-9E9E-23F1E7721BE3}"/>
+          </ac:picMkLst>
+        </pc:picChg>
+      </pc:sldChg>
+      <pc:sldChg chg="delSp">
+        <pc:chgData name="Erkan ŞİRİN" userId="7f10ce1d6aaf8c5d" providerId="LiveId" clId="{B6264D81-4B56-4E44-A3F0-29F5E63BC2BA}" dt="2019-07-23T20:48:53.106" v="22" actId="478"/>
+        <pc:sldMkLst>
+          <pc:docMk/>
+          <pc:sldMk cId="1729206138" sldId="302"/>
+        </pc:sldMkLst>
+        <pc:picChg chg="del">
+          <ac:chgData name="Erkan ŞİRİN" userId="7f10ce1d6aaf8c5d" providerId="LiveId" clId="{B6264D81-4B56-4E44-A3F0-29F5E63BC2BA}" dt="2019-07-23T20:48:53.106" v="22" actId="478"/>
+          <ac:picMkLst>
+            <pc:docMk/>
+            <pc:sldMk cId="1729206138" sldId="302"/>
+            <ac:picMk id="20" creationId="{8E25EF7E-97AC-4011-A70E-D0F8BA6674E9}"/>
+          </ac:picMkLst>
+        </pc:picChg>
+      </pc:sldChg>
+      <pc:sldChg chg="delSp">
+        <pc:chgData name="Erkan ŞİRİN" userId="7f10ce1d6aaf8c5d" providerId="LiveId" clId="{B6264D81-4B56-4E44-A3F0-29F5E63BC2BA}" dt="2019-07-23T20:49:00.558" v="23" actId="478"/>
+        <pc:sldMkLst>
+          <pc:docMk/>
+          <pc:sldMk cId="543905685" sldId="303"/>
+        </pc:sldMkLst>
+        <pc:picChg chg="del">
+          <ac:chgData name="Erkan ŞİRİN" userId="7f10ce1d6aaf8c5d" providerId="LiveId" clId="{B6264D81-4B56-4E44-A3F0-29F5E63BC2BA}" dt="2019-07-23T20:49:00.558" v="23" actId="478"/>
+          <ac:picMkLst>
+            <pc:docMk/>
+            <pc:sldMk cId="543905685" sldId="303"/>
+            <ac:picMk id="20" creationId="{0B67C6DF-49D2-4C73-B8C4-7D3C4CC78AC2}"/>
+          </ac:picMkLst>
+        </pc:picChg>
+      </pc:sldChg>
+      <pc:sldChg chg="delSp">
+        <pc:chgData name="Erkan ŞİRİN" userId="7f10ce1d6aaf8c5d" providerId="LiveId" clId="{B6264D81-4B56-4E44-A3F0-29F5E63BC2BA}" dt="2019-07-23T20:49:03.542" v="24" actId="478"/>
+        <pc:sldMkLst>
+          <pc:docMk/>
+          <pc:sldMk cId="2652151636" sldId="304"/>
+        </pc:sldMkLst>
+        <pc:picChg chg="del">
+          <ac:chgData name="Erkan ŞİRİN" userId="7f10ce1d6aaf8c5d" providerId="LiveId" clId="{B6264D81-4B56-4E44-A3F0-29F5E63BC2BA}" dt="2019-07-23T20:49:03.542" v="24" actId="478"/>
+          <ac:picMkLst>
+            <pc:docMk/>
+            <pc:sldMk cId="2652151636" sldId="304"/>
+            <ac:picMk id="20" creationId="{A1CC8CFC-63D7-446F-B95C-95E852FCB166}"/>
+          </ac:picMkLst>
+        </pc:picChg>
+      </pc:sldChg>
+      <pc:sldChg chg="delSp">
+        <pc:chgData name="Erkan ŞİRİN" userId="7f10ce1d6aaf8c5d" providerId="LiveId" clId="{B6264D81-4B56-4E44-A3F0-29F5E63BC2BA}" dt="2019-07-23T20:49:06.490" v="25" actId="478"/>
+        <pc:sldMkLst>
+          <pc:docMk/>
+          <pc:sldMk cId="2577336194" sldId="305"/>
+        </pc:sldMkLst>
+        <pc:picChg chg="del">
+          <ac:chgData name="Erkan ŞİRİN" userId="7f10ce1d6aaf8c5d" providerId="LiveId" clId="{B6264D81-4B56-4E44-A3F0-29F5E63BC2BA}" dt="2019-07-23T20:49:06.490" v="25" actId="478"/>
+          <ac:picMkLst>
+            <pc:docMk/>
+            <pc:sldMk cId="2577336194" sldId="305"/>
+            <ac:picMk id="20" creationId="{13154C45-2A10-47B6-AFB8-0BEE1AF0CF08}"/>
+          </ac:picMkLst>
+        </pc:picChg>
+      </pc:sldChg>
+      <pc:sldChg chg="delSp">
+        <pc:chgData name="Erkan ŞİRİN" userId="7f10ce1d6aaf8c5d" providerId="LiveId" clId="{B6264D81-4B56-4E44-A3F0-29F5E63BC2BA}" dt="2019-07-23T20:49:09.356" v="26" actId="478"/>
+        <pc:sldMkLst>
+          <pc:docMk/>
+          <pc:sldMk cId="2757054859" sldId="306"/>
+        </pc:sldMkLst>
+        <pc:picChg chg="del">
+          <ac:chgData name="Erkan ŞİRİN" userId="7f10ce1d6aaf8c5d" providerId="LiveId" clId="{B6264D81-4B56-4E44-A3F0-29F5E63BC2BA}" dt="2019-07-23T20:49:09.356" v="26" actId="478"/>
+          <ac:picMkLst>
+            <pc:docMk/>
+            <pc:sldMk cId="2757054859" sldId="306"/>
+            <ac:picMk id="20" creationId="{156E6A5C-A241-4C55-BD19-3186637CC5D5}"/>
+          </ac:picMkLst>
+        </pc:picChg>
+      </pc:sldChg>
+      <pc:sldChg chg="delSp">
+        <pc:chgData name="Erkan ŞİRİN" userId="7f10ce1d6aaf8c5d" providerId="LiveId" clId="{B6264D81-4B56-4E44-A3F0-29F5E63BC2BA}" dt="2019-07-23T20:48:25.668" v="15" actId="478"/>
+        <pc:sldMkLst>
+          <pc:docMk/>
+          <pc:sldMk cId="1004717077" sldId="307"/>
+        </pc:sldMkLst>
+        <pc:picChg chg="del">
+          <ac:chgData name="Erkan ŞİRİN" userId="7f10ce1d6aaf8c5d" providerId="LiveId" clId="{B6264D81-4B56-4E44-A3F0-29F5E63BC2BA}" dt="2019-07-23T20:48:25.668" v="15" actId="478"/>
+          <ac:picMkLst>
+            <pc:docMk/>
+            <pc:sldMk cId="1004717077" sldId="307"/>
+            <ac:picMk id="24" creationId="{FDC4A9EF-B300-4785-8883-3D2949CAF4F1}"/>
+          </ac:picMkLst>
+        </pc:picChg>
+      </pc:sldChg>
+      <pc:sldChg chg="delSp">
+        <pc:chgData name="Erkan ŞİRİN" userId="7f10ce1d6aaf8c5d" providerId="LiveId" clId="{B6264D81-4B56-4E44-A3F0-29F5E63BC2BA}" dt="2019-07-23T20:47:38.973" v="1" actId="478"/>
+        <pc:sldMkLst>
+          <pc:docMk/>
+          <pc:sldMk cId="3807884174" sldId="308"/>
+        </pc:sldMkLst>
+        <pc:picChg chg="del">
+          <ac:chgData name="Erkan ŞİRİN" userId="7f10ce1d6aaf8c5d" providerId="LiveId" clId="{B6264D81-4B56-4E44-A3F0-29F5E63BC2BA}" dt="2019-07-23T20:47:38.973" v="1" actId="478"/>
+          <ac:picMkLst>
+            <pc:docMk/>
+            <pc:sldMk cId="3807884174" sldId="308"/>
+            <ac:picMk id="33" creationId="{0CD285D9-B262-4573-9321-FDA4CD26A881}"/>
+          </ac:picMkLst>
+        </pc:picChg>
+      </pc:sldChg>
+      <pc:sldChg chg="delSp">
+        <pc:chgData name="Erkan ŞİRİN" userId="7f10ce1d6aaf8c5d" providerId="LiveId" clId="{B6264D81-4B56-4E44-A3F0-29F5E63BC2BA}" dt="2019-07-23T20:47:42.395" v="2" actId="478"/>
+        <pc:sldMkLst>
+          <pc:docMk/>
+          <pc:sldMk cId="1290962977" sldId="309"/>
+        </pc:sldMkLst>
+        <pc:picChg chg="del">
+          <ac:chgData name="Erkan ŞİRİN" userId="7f10ce1d6aaf8c5d" providerId="LiveId" clId="{B6264D81-4B56-4E44-A3F0-29F5E63BC2BA}" dt="2019-07-23T20:47:42.395" v="2" actId="478"/>
+          <ac:picMkLst>
+            <pc:docMk/>
+            <pc:sldMk cId="1290962977" sldId="309"/>
+            <ac:picMk id="13" creationId="{E32DEDFA-51A8-4E3E-905C-64F878E24D41}"/>
+          </ac:picMkLst>
+        </pc:picChg>
+      </pc:sldChg>
+      <pc:sldChg chg="delSp">
+        <pc:chgData name="Erkan ŞİRİN" userId="7f10ce1d6aaf8c5d" providerId="LiveId" clId="{B6264D81-4B56-4E44-A3F0-29F5E63BC2BA}" dt="2019-07-23T20:48:02.689" v="8" actId="478"/>
+        <pc:sldMkLst>
+          <pc:docMk/>
+          <pc:sldMk cId="70605046" sldId="310"/>
+        </pc:sldMkLst>
+        <pc:picChg chg="del">
+          <ac:chgData name="Erkan ŞİRİN" userId="7f10ce1d6aaf8c5d" providerId="LiveId" clId="{B6264D81-4B56-4E44-A3F0-29F5E63BC2BA}" dt="2019-07-23T20:48:02.689" v="8" actId="478"/>
+          <ac:picMkLst>
+            <pc:docMk/>
+            <pc:sldMk cId="70605046" sldId="310"/>
+            <ac:picMk id="20" creationId="{C3B6A2BC-5724-4820-9BB3-9FACDAFFE074}"/>
+          </ac:picMkLst>
+        </pc:picChg>
+      </pc:sldChg>
+      <pc:sldChg chg="delSp">
+        <pc:chgData name="Erkan ŞİRİN" userId="7f10ce1d6aaf8c5d" providerId="LiveId" clId="{B6264D81-4B56-4E44-A3F0-29F5E63BC2BA}" dt="2019-07-23T20:49:15.287" v="28" actId="478"/>
+        <pc:sldMkLst>
+          <pc:docMk/>
+          <pc:sldMk cId="3548738624" sldId="311"/>
+        </pc:sldMkLst>
+        <pc:picChg chg="del">
+          <ac:chgData name="Erkan ŞİRİN" userId="7f10ce1d6aaf8c5d" providerId="LiveId" clId="{B6264D81-4B56-4E44-A3F0-29F5E63BC2BA}" dt="2019-07-23T20:49:15.287" v="28" actId="478"/>
+          <ac:picMkLst>
+            <pc:docMk/>
+            <pc:sldMk cId="3548738624" sldId="311"/>
+            <ac:picMk id="11" creationId="{B1A5A5A1-DA50-45FC-85A3-6BDF31F87145}"/>
+          </ac:picMkLst>
+        </pc:picChg>
+      </pc:sldChg>
+      <pc:sldChg chg="delSp">
+        <pc:chgData name="Erkan ŞİRİN" userId="7f10ce1d6aaf8c5d" providerId="LiveId" clId="{B6264D81-4B56-4E44-A3F0-29F5E63BC2BA}" dt="2019-07-23T20:49:12.292" v="27" actId="478"/>
+        <pc:sldMkLst>
+          <pc:docMk/>
+          <pc:sldMk cId="3296482809" sldId="312"/>
+        </pc:sldMkLst>
+        <pc:picChg chg="del">
+          <ac:chgData name="Erkan ŞİRİN" userId="7f10ce1d6aaf8c5d" providerId="LiveId" clId="{B6264D81-4B56-4E44-A3F0-29F5E63BC2BA}" dt="2019-07-23T20:49:12.292" v="27" actId="478"/>
+          <ac:picMkLst>
+            <pc:docMk/>
+            <pc:sldMk cId="3296482809" sldId="312"/>
+            <ac:picMk id="23" creationId="{DFBB3C42-2A16-4BAE-A4A5-97F9EF018732}"/>
+          </ac:picMkLst>
+        </pc:picChg>
+      </pc:sldChg>
+    </pc:docChg>
+  </pc:docChgLst>
 </pc:chgInfo>
 </file>
 
@@ -965,7 +1409,7 @@
           <a:p>
             <a:fld id="{6F77F576-AE14-466D-AA6B-335273622B21}" type="datetimeFigureOut">
               <a:rPr lang="en-US" smtClean="0"/>
-              <a:t>5/8/2019</a:t>
+              <a:t>7/23/2019</a:t>
             </a:fld>
             <a:endParaRPr lang="en-US" dirty="0"/>
           </a:p>
@@ -1364,7 +1808,7 @@
           <a:p>
             <a:fld id="{54AA066D-271F-4C1A-B89A-0705A7689EE9}" type="datetimeFigureOut">
               <a:rPr lang="en-US" smtClean="0"/>
-              <a:t>5/8/2019</a:t>
+              <a:t>7/23/2019</a:t>
             </a:fld>
             <a:endParaRPr lang="en-US" dirty="0"/>
           </a:p>
@@ -1534,7 +1978,7 @@
           <a:p>
             <a:fld id="{54AA066D-271F-4C1A-B89A-0705A7689EE9}" type="datetimeFigureOut">
               <a:rPr lang="en-US" smtClean="0"/>
-              <a:t>5/8/2019</a:t>
+              <a:t>7/23/2019</a:t>
             </a:fld>
             <a:endParaRPr lang="en-US" dirty="0"/>
           </a:p>
@@ -1714,7 +2158,7 @@
           <a:p>
             <a:fld id="{54AA066D-271F-4C1A-B89A-0705A7689EE9}" type="datetimeFigureOut">
               <a:rPr lang="en-US" smtClean="0"/>
-              <a:t>5/8/2019</a:t>
+              <a:t>7/23/2019</a:t>
             </a:fld>
             <a:endParaRPr lang="en-US" dirty="0"/>
           </a:p>
@@ -1884,7 +2328,7 @@
           <a:p>
             <a:fld id="{54AA066D-271F-4C1A-B89A-0705A7689EE9}" type="datetimeFigureOut">
               <a:rPr lang="en-US" smtClean="0"/>
-              <a:t>5/8/2019</a:t>
+              <a:t>7/23/2019</a:t>
             </a:fld>
             <a:endParaRPr lang="en-US" dirty="0"/>
           </a:p>
@@ -2130,7 +2574,7 @@
           <a:p>
             <a:fld id="{54AA066D-271F-4C1A-B89A-0705A7689EE9}" type="datetimeFigureOut">
               <a:rPr lang="en-US" smtClean="0"/>
-              <a:t>5/8/2019</a:t>
+              <a:t>7/23/2019</a:t>
             </a:fld>
             <a:endParaRPr lang="en-US" dirty="0"/>
           </a:p>
@@ -2362,7 +2806,7 @@
           <a:p>
             <a:fld id="{54AA066D-271F-4C1A-B89A-0705A7689EE9}" type="datetimeFigureOut">
               <a:rPr lang="en-US" smtClean="0"/>
-              <a:t>5/8/2019</a:t>
+              <a:t>7/23/2019</a:t>
             </a:fld>
             <a:endParaRPr lang="en-US" dirty="0"/>
           </a:p>
@@ -2729,7 +3173,7 @@
           <a:p>
             <a:fld id="{54AA066D-271F-4C1A-B89A-0705A7689EE9}" type="datetimeFigureOut">
               <a:rPr lang="en-US" smtClean="0"/>
-              <a:t>5/8/2019</a:t>
+              <a:t>7/23/2019</a:t>
             </a:fld>
             <a:endParaRPr lang="en-US" dirty="0"/>
           </a:p>
@@ -2847,7 +3291,7 @@
           <a:p>
             <a:fld id="{54AA066D-271F-4C1A-B89A-0705A7689EE9}" type="datetimeFigureOut">
               <a:rPr lang="en-US" smtClean="0"/>
-              <a:t>5/8/2019</a:t>
+              <a:t>7/23/2019</a:t>
             </a:fld>
             <a:endParaRPr lang="en-US" dirty="0"/>
           </a:p>
@@ -2942,7 +3386,7 @@
           <a:p>
             <a:fld id="{54AA066D-271F-4C1A-B89A-0705A7689EE9}" type="datetimeFigureOut">
               <a:rPr lang="en-US" smtClean="0"/>
-              <a:t>5/8/2019</a:t>
+              <a:t>7/23/2019</a:t>
             </a:fld>
             <a:endParaRPr lang="en-US" dirty="0"/>
           </a:p>
@@ -3219,7 +3663,7 @@
           <a:p>
             <a:fld id="{54AA066D-271F-4C1A-B89A-0705A7689EE9}" type="datetimeFigureOut">
               <a:rPr lang="en-US" smtClean="0"/>
-              <a:t>5/8/2019</a:t>
+              <a:t>7/23/2019</a:t>
             </a:fld>
             <a:endParaRPr lang="en-US" dirty="0"/>
           </a:p>
@@ -3472,7 +3916,7 @@
           <a:p>
             <a:fld id="{54AA066D-271F-4C1A-B89A-0705A7689EE9}" type="datetimeFigureOut">
               <a:rPr lang="en-US" smtClean="0"/>
-              <a:t>5/8/2019</a:t>
+              <a:t>7/23/2019</a:t>
             </a:fld>
             <a:endParaRPr lang="en-US" dirty="0"/>
           </a:p>
@@ -3685,7 +4129,7 @@
           <a:p>
             <a:fld id="{54AA066D-271F-4C1A-B89A-0705A7689EE9}" type="datetimeFigureOut">
               <a:rPr lang="en-US" smtClean="0"/>
-              <a:t>5/8/2019</a:t>
+              <a:t>7/23/2019</a:t>
             </a:fld>
             <a:endParaRPr lang="en-US" dirty="0"/>
           </a:p>
@@ -4222,42 +4666,6 @@
           </a:p>
         </p:txBody>
       </p:sp>
-      <p:pic>
-        <p:nvPicPr>
-          <p:cNvPr id="13" name="Resim 12">
-            <a:extLst>
-              <a:ext uri="{FF2B5EF4-FFF2-40B4-BE49-F238E27FC236}">
-                <a16:creationId xmlns:a16="http://schemas.microsoft.com/office/drawing/2014/main" id="{AAFC7EB2-7A5F-4F3C-A307-FCA6B6C55226}"/>
-              </a:ext>
-            </a:extLst>
-          </p:cNvPr>
-          <p:cNvPicPr>
-            <a:picLocks noChangeAspect="1"/>
-          </p:cNvPicPr>
-          <p:nvPr/>
-        </p:nvPicPr>
-        <p:blipFill>
-          <a:blip r:embed="rId3">
-            <a:extLst>
-              <a:ext uri="{28A0092B-C50C-407E-A947-70E740481C1C}">
-                <a14:useLocalDpi xmlns:a14="http://schemas.microsoft.com/office/drawing/2010/main" val="0"/>
-              </a:ext>
-            </a:extLst>
-          </a:blip>
-          <a:stretch>
-            <a:fillRect/>
-          </a:stretch>
-        </p:blipFill>
-        <p:spPr>
-          <a:xfrm>
-            <a:off x="340622" y="6362072"/>
-            <a:ext cx="2154700" cy="308365"/>
-          </a:xfrm>
-          <a:prstGeom prst="rect">
-            <a:avLst/>
-          </a:prstGeom>
-        </p:spPr>
-      </p:pic>
     </p:spTree>
     <p:extLst>
       <p:ext uri="{BB962C8B-B14F-4D97-AF65-F5344CB8AC3E}">
@@ -4395,42 +4803,6 @@
           </a:p>
         </p:txBody>
       </p:sp>
-      <p:pic>
-        <p:nvPicPr>
-          <p:cNvPr id="11" name="Resim 10">
-            <a:extLst>
-              <a:ext uri="{FF2B5EF4-FFF2-40B4-BE49-F238E27FC236}">
-                <a16:creationId xmlns:a16="http://schemas.microsoft.com/office/drawing/2014/main" id="{01D0297B-5821-4481-B03F-EDE971E25C5D}"/>
-              </a:ext>
-            </a:extLst>
-          </p:cNvPr>
-          <p:cNvPicPr>
-            <a:picLocks noChangeAspect="1"/>
-          </p:cNvPicPr>
-          <p:nvPr/>
-        </p:nvPicPr>
-        <p:blipFill>
-          <a:blip r:embed="rId2">
-            <a:extLst>
-              <a:ext uri="{28A0092B-C50C-407E-A947-70E740481C1C}">
-                <a14:useLocalDpi xmlns:a14="http://schemas.microsoft.com/office/drawing/2010/main" val="0"/>
-              </a:ext>
-            </a:extLst>
-          </a:blip>
-          <a:stretch>
-            <a:fillRect/>
-          </a:stretch>
-        </p:blipFill>
-        <p:spPr>
-          <a:xfrm>
-            <a:off x="340622" y="6362072"/>
-            <a:ext cx="2154700" cy="308365"/>
-          </a:xfrm>
-          <a:prstGeom prst="rect">
-            <a:avLst/>
-          </a:prstGeom>
-        </p:spPr>
-      </p:pic>
     </p:spTree>
     <p:extLst>
       <p:ext uri="{BB962C8B-B14F-4D97-AF65-F5344CB8AC3E}">
@@ -4636,42 +5008,6 @@
           </a:p>
         </p:txBody>
       </p:sp>
-      <p:pic>
-        <p:nvPicPr>
-          <p:cNvPr id="13" name="Resim 12">
-            <a:extLst>
-              <a:ext uri="{FF2B5EF4-FFF2-40B4-BE49-F238E27FC236}">
-                <a16:creationId xmlns:a16="http://schemas.microsoft.com/office/drawing/2014/main" id="{7EEC17AA-04B0-4D45-94C4-3ECA5498DF45}"/>
-              </a:ext>
-            </a:extLst>
-          </p:cNvPr>
-          <p:cNvPicPr>
-            <a:picLocks noChangeAspect="1"/>
-          </p:cNvPicPr>
-          <p:nvPr/>
-        </p:nvPicPr>
-        <p:blipFill>
-          <a:blip r:embed="rId2">
-            <a:extLst>
-              <a:ext uri="{28A0092B-C50C-407E-A947-70E740481C1C}">
-                <a14:useLocalDpi xmlns:a14="http://schemas.microsoft.com/office/drawing/2010/main" val="0"/>
-              </a:ext>
-            </a:extLst>
-          </a:blip>
-          <a:stretch>
-            <a:fillRect/>
-          </a:stretch>
-        </p:blipFill>
-        <p:spPr>
-          <a:xfrm>
-            <a:off x="340622" y="6362072"/>
-            <a:ext cx="2154700" cy="308365"/>
-          </a:xfrm>
-          <a:prstGeom prst="rect">
-            <a:avLst/>
-          </a:prstGeom>
-        </p:spPr>
-      </p:pic>
     </p:spTree>
     <p:extLst>
       <p:ext uri="{BB962C8B-B14F-4D97-AF65-F5344CB8AC3E}">
@@ -5201,42 +5537,6 @@
           </p:txBody>
         </p:sp>
       </p:grpSp>
-      <p:pic>
-        <p:nvPicPr>
-          <p:cNvPr id="25" name="Resim 24">
-            <a:extLst>
-              <a:ext uri="{FF2B5EF4-FFF2-40B4-BE49-F238E27FC236}">
-                <a16:creationId xmlns:a16="http://schemas.microsoft.com/office/drawing/2014/main" id="{4E340FA4-228A-4330-A215-9D41994506B1}"/>
-              </a:ext>
-            </a:extLst>
-          </p:cNvPr>
-          <p:cNvPicPr>
-            <a:picLocks noChangeAspect="1"/>
-          </p:cNvPicPr>
-          <p:nvPr/>
-        </p:nvPicPr>
-        <p:blipFill>
-          <a:blip r:embed="rId2">
-            <a:extLst>
-              <a:ext uri="{28A0092B-C50C-407E-A947-70E740481C1C}">
-                <a14:useLocalDpi xmlns:a14="http://schemas.microsoft.com/office/drawing/2010/main" val="0"/>
-              </a:ext>
-            </a:extLst>
-          </a:blip>
-          <a:stretch>
-            <a:fillRect/>
-          </a:stretch>
-        </p:blipFill>
-        <p:spPr>
-          <a:xfrm>
-            <a:off x="340622" y="6362072"/>
-            <a:ext cx="2154700" cy="308365"/>
-          </a:xfrm>
-          <a:prstGeom prst="rect">
-            <a:avLst/>
-          </a:prstGeom>
-        </p:spPr>
-      </p:pic>
     </p:spTree>
     <p:extLst>
       <p:ext uri="{BB962C8B-B14F-4D97-AF65-F5344CB8AC3E}">
@@ -5766,42 +6066,6 @@
           </p:txBody>
         </p:sp>
       </p:grpSp>
-      <p:pic>
-        <p:nvPicPr>
-          <p:cNvPr id="25" name="Resim 24">
-            <a:extLst>
-              <a:ext uri="{FF2B5EF4-FFF2-40B4-BE49-F238E27FC236}">
-                <a16:creationId xmlns:a16="http://schemas.microsoft.com/office/drawing/2014/main" id="{EB57CF6D-ABE6-4FD3-84CF-E80866CB9D51}"/>
-              </a:ext>
-            </a:extLst>
-          </p:cNvPr>
-          <p:cNvPicPr>
-            <a:picLocks noChangeAspect="1"/>
-          </p:cNvPicPr>
-          <p:nvPr/>
-        </p:nvPicPr>
-        <p:blipFill>
-          <a:blip r:embed="rId2">
-            <a:extLst>
-              <a:ext uri="{28A0092B-C50C-407E-A947-70E740481C1C}">
-                <a14:useLocalDpi xmlns:a14="http://schemas.microsoft.com/office/drawing/2010/main" val="0"/>
-              </a:ext>
-            </a:extLst>
-          </a:blip>
-          <a:stretch>
-            <a:fillRect/>
-          </a:stretch>
-        </p:blipFill>
-        <p:spPr>
-          <a:xfrm>
-            <a:off x="340622" y="6362072"/>
-            <a:ext cx="2154700" cy="308365"/>
-          </a:xfrm>
-          <a:prstGeom prst="rect">
-            <a:avLst/>
-          </a:prstGeom>
-        </p:spPr>
-      </p:pic>
     </p:spTree>
     <p:extLst>
       <p:ext uri="{BB962C8B-B14F-4D97-AF65-F5344CB8AC3E}">
@@ -6331,42 +6595,6 @@
           </p:txBody>
         </p:sp>
       </p:grpSp>
-      <p:pic>
-        <p:nvPicPr>
-          <p:cNvPr id="25" name="Resim 24">
-            <a:extLst>
-              <a:ext uri="{FF2B5EF4-FFF2-40B4-BE49-F238E27FC236}">
-                <a16:creationId xmlns:a16="http://schemas.microsoft.com/office/drawing/2014/main" id="{2A6BBE33-A9E6-4A4F-B5A1-D0E1BAA1DAFA}"/>
-              </a:ext>
-            </a:extLst>
-          </p:cNvPr>
-          <p:cNvPicPr>
-            <a:picLocks noChangeAspect="1"/>
-          </p:cNvPicPr>
-          <p:nvPr/>
-        </p:nvPicPr>
-        <p:blipFill>
-          <a:blip r:embed="rId2">
-            <a:extLst>
-              <a:ext uri="{28A0092B-C50C-407E-A947-70E740481C1C}">
-                <a14:useLocalDpi xmlns:a14="http://schemas.microsoft.com/office/drawing/2010/main" val="0"/>
-              </a:ext>
-            </a:extLst>
-          </a:blip>
-          <a:stretch>
-            <a:fillRect/>
-          </a:stretch>
-        </p:blipFill>
-        <p:spPr>
-          <a:xfrm>
-            <a:off x="340622" y="6362072"/>
-            <a:ext cx="2154700" cy="308365"/>
-          </a:xfrm>
-          <a:prstGeom prst="rect">
-            <a:avLst/>
-          </a:prstGeom>
-        </p:spPr>
-      </p:pic>
     </p:spTree>
     <p:extLst>
       <p:ext uri="{BB962C8B-B14F-4D97-AF65-F5344CB8AC3E}">
@@ -6896,42 +7124,6 @@
           </p:txBody>
         </p:sp>
       </p:grpSp>
-      <p:pic>
-        <p:nvPicPr>
-          <p:cNvPr id="25" name="Resim 24">
-            <a:extLst>
-              <a:ext uri="{FF2B5EF4-FFF2-40B4-BE49-F238E27FC236}">
-                <a16:creationId xmlns:a16="http://schemas.microsoft.com/office/drawing/2014/main" id="{5F8822D8-B1F1-4B84-BF8B-2EF02C9A13E8}"/>
-              </a:ext>
-            </a:extLst>
-          </p:cNvPr>
-          <p:cNvPicPr>
-            <a:picLocks noChangeAspect="1"/>
-          </p:cNvPicPr>
-          <p:nvPr/>
-        </p:nvPicPr>
-        <p:blipFill>
-          <a:blip r:embed="rId2">
-            <a:extLst>
-              <a:ext uri="{28A0092B-C50C-407E-A947-70E740481C1C}">
-                <a14:useLocalDpi xmlns:a14="http://schemas.microsoft.com/office/drawing/2010/main" val="0"/>
-              </a:ext>
-            </a:extLst>
-          </a:blip>
-          <a:stretch>
-            <a:fillRect/>
-          </a:stretch>
-        </p:blipFill>
-        <p:spPr>
-          <a:xfrm>
-            <a:off x="340622" y="6362072"/>
-            <a:ext cx="2154700" cy="308365"/>
-          </a:xfrm>
-          <a:prstGeom prst="rect">
-            <a:avLst/>
-          </a:prstGeom>
-        </p:spPr>
-      </p:pic>
     </p:spTree>
     <p:extLst>
       <p:ext uri="{BB962C8B-B14F-4D97-AF65-F5344CB8AC3E}">
@@ -7531,42 +7723,6 @@
           </a:p>
         </p:txBody>
       </p:sp>
-      <p:pic>
-        <p:nvPicPr>
-          <p:cNvPr id="24" name="Resim 23">
-            <a:extLst>
-              <a:ext uri="{FF2B5EF4-FFF2-40B4-BE49-F238E27FC236}">
-                <a16:creationId xmlns:a16="http://schemas.microsoft.com/office/drawing/2014/main" id="{FDC4A9EF-B300-4785-8883-3D2949CAF4F1}"/>
-              </a:ext>
-            </a:extLst>
-          </p:cNvPr>
-          <p:cNvPicPr>
-            <a:picLocks noChangeAspect="1"/>
-          </p:cNvPicPr>
-          <p:nvPr/>
-        </p:nvPicPr>
-        <p:blipFill>
-          <a:blip r:embed="rId2">
-            <a:extLst>
-              <a:ext uri="{28A0092B-C50C-407E-A947-70E740481C1C}">
-                <a14:useLocalDpi xmlns:a14="http://schemas.microsoft.com/office/drawing/2010/main" val="0"/>
-              </a:ext>
-            </a:extLst>
-          </a:blip>
-          <a:stretch>
-            <a:fillRect/>
-          </a:stretch>
-        </p:blipFill>
-        <p:spPr>
-          <a:xfrm>
-            <a:off x="340622" y="6362072"/>
-            <a:ext cx="2154700" cy="308365"/>
-          </a:xfrm>
-          <a:prstGeom prst="rect">
-            <a:avLst/>
-          </a:prstGeom>
-        </p:spPr>
-      </p:pic>
     </p:spTree>
     <p:extLst>
       <p:ext uri="{BB962C8B-B14F-4D97-AF65-F5344CB8AC3E}">
@@ -8093,42 +8249,6 @@
           </a:p>
         </p:txBody>
       </p:sp>
-      <p:pic>
-        <p:nvPicPr>
-          <p:cNvPr id="14" name="Resim 13">
-            <a:extLst>
-              <a:ext uri="{FF2B5EF4-FFF2-40B4-BE49-F238E27FC236}">
-                <a16:creationId xmlns:a16="http://schemas.microsoft.com/office/drawing/2014/main" id="{EF5A74A4-2557-4596-AE56-7A8A776601CA}"/>
-              </a:ext>
-            </a:extLst>
-          </p:cNvPr>
-          <p:cNvPicPr>
-            <a:picLocks noChangeAspect="1"/>
-          </p:cNvPicPr>
-          <p:nvPr/>
-        </p:nvPicPr>
-        <p:blipFill>
-          <a:blip r:embed="rId2">
-            <a:extLst>
-              <a:ext uri="{28A0092B-C50C-407E-A947-70E740481C1C}">
-                <a14:useLocalDpi xmlns:a14="http://schemas.microsoft.com/office/drawing/2010/main" val="0"/>
-              </a:ext>
-            </a:extLst>
-          </a:blip>
-          <a:stretch>
-            <a:fillRect/>
-          </a:stretch>
-        </p:blipFill>
-        <p:spPr>
-          <a:xfrm>
-            <a:off x="340622" y="6362072"/>
-            <a:ext cx="2154700" cy="308365"/>
-          </a:xfrm>
-          <a:prstGeom prst="rect">
-            <a:avLst/>
-          </a:prstGeom>
-        </p:spPr>
-      </p:pic>
     </p:spTree>
     <p:extLst>
       <p:ext uri="{BB962C8B-B14F-4D97-AF65-F5344CB8AC3E}">
@@ -8505,42 +8625,6 @@
           </a:p>
         </p:txBody>
       </p:sp>
-      <p:pic>
-        <p:nvPicPr>
-          <p:cNvPr id="20" name="Resim 19">
-            <a:extLst>
-              <a:ext uri="{FF2B5EF4-FFF2-40B4-BE49-F238E27FC236}">
-                <a16:creationId xmlns:a16="http://schemas.microsoft.com/office/drawing/2014/main" id="{6186FC3D-BB61-4E6F-B7F2-615DD3A515FC}"/>
-              </a:ext>
-            </a:extLst>
-          </p:cNvPr>
-          <p:cNvPicPr>
-            <a:picLocks noChangeAspect="1"/>
-          </p:cNvPicPr>
-          <p:nvPr/>
-        </p:nvPicPr>
-        <p:blipFill>
-          <a:blip r:embed="rId2">
-            <a:extLst>
-              <a:ext uri="{28A0092B-C50C-407E-A947-70E740481C1C}">
-                <a14:useLocalDpi xmlns:a14="http://schemas.microsoft.com/office/drawing/2010/main" val="0"/>
-              </a:ext>
-            </a:extLst>
-          </a:blip>
-          <a:stretch>
-            <a:fillRect/>
-          </a:stretch>
-        </p:blipFill>
-        <p:spPr>
-          <a:xfrm>
-            <a:off x="340622" y="6362072"/>
-            <a:ext cx="2154700" cy="308365"/>
-          </a:xfrm>
-          <a:prstGeom prst="rect">
-            <a:avLst/>
-          </a:prstGeom>
-        </p:spPr>
-      </p:pic>
     </p:spTree>
     <p:extLst>
       <p:ext uri="{BB962C8B-B14F-4D97-AF65-F5344CB8AC3E}">
@@ -9552,42 +9636,6 @@
           </a:p>
         </p:txBody>
       </p:sp>
-      <p:pic>
-        <p:nvPicPr>
-          <p:cNvPr id="33" name="Resim 32">
-            <a:extLst>
-              <a:ext uri="{FF2B5EF4-FFF2-40B4-BE49-F238E27FC236}">
-                <a16:creationId xmlns:a16="http://schemas.microsoft.com/office/drawing/2014/main" id="{0CD285D9-B262-4573-9321-FDA4CD26A881}"/>
-              </a:ext>
-            </a:extLst>
-          </p:cNvPr>
-          <p:cNvPicPr>
-            <a:picLocks noChangeAspect="1"/>
-          </p:cNvPicPr>
-          <p:nvPr/>
-        </p:nvPicPr>
-        <p:blipFill>
-          <a:blip r:embed="rId2">
-            <a:extLst>
-              <a:ext uri="{28A0092B-C50C-407E-A947-70E740481C1C}">
-                <a14:useLocalDpi xmlns:a14="http://schemas.microsoft.com/office/drawing/2010/main" val="0"/>
-              </a:ext>
-            </a:extLst>
-          </a:blip>
-          <a:stretch>
-            <a:fillRect/>
-          </a:stretch>
-        </p:blipFill>
-        <p:spPr>
-          <a:xfrm>
-            <a:off x="340622" y="6362072"/>
-            <a:ext cx="2154700" cy="308365"/>
-          </a:xfrm>
-          <a:prstGeom prst="rect">
-            <a:avLst/>
-          </a:prstGeom>
-        </p:spPr>
-      </p:pic>
     </p:spTree>
     <p:extLst>
       <p:ext uri="{BB962C8B-B14F-4D97-AF65-F5344CB8AC3E}">
@@ -10297,42 +10345,6 @@
           </a:p>
         </p:txBody>
       </p:sp>
-      <p:pic>
-        <p:nvPicPr>
-          <p:cNvPr id="20" name="Resim 19">
-            <a:extLst>
-              <a:ext uri="{FF2B5EF4-FFF2-40B4-BE49-F238E27FC236}">
-                <a16:creationId xmlns:a16="http://schemas.microsoft.com/office/drawing/2014/main" id="{56FFB7A7-1EC8-4123-905E-C727E8C99BB7}"/>
-              </a:ext>
-            </a:extLst>
-          </p:cNvPr>
-          <p:cNvPicPr>
-            <a:picLocks noChangeAspect="1"/>
-          </p:cNvPicPr>
-          <p:nvPr/>
-        </p:nvPicPr>
-        <p:blipFill>
-          <a:blip r:embed="rId2">
-            <a:extLst>
-              <a:ext uri="{28A0092B-C50C-407E-A947-70E740481C1C}">
-                <a14:useLocalDpi xmlns:a14="http://schemas.microsoft.com/office/drawing/2010/main" val="0"/>
-              </a:ext>
-            </a:extLst>
-          </a:blip>
-          <a:stretch>
-            <a:fillRect/>
-          </a:stretch>
-        </p:blipFill>
-        <p:spPr>
-          <a:xfrm>
-            <a:off x="340622" y="6362072"/>
-            <a:ext cx="2154700" cy="308365"/>
-          </a:xfrm>
-          <a:prstGeom prst="rect">
-            <a:avLst/>
-          </a:prstGeom>
-        </p:spPr>
-      </p:pic>
     </p:spTree>
     <p:extLst>
       <p:ext uri="{BB962C8B-B14F-4D97-AF65-F5344CB8AC3E}">
@@ -10709,42 +10721,6 @@
           </a:p>
         </p:txBody>
       </p:sp>
-      <p:pic>
-        <p:nvPicPr>
-          <p:cNvPr id="20" name="Resim 19">
-            <a:extLst>
-              <a:ext uri="{FF2B5EF4-FFF2-40B4-BE49-F238E27FC236}">
-                <a16:creationId xmlns:a16="http://schemas.microsoft.com/office/drawing/2014/main" id="{129AE02B-C034-4420-9C0A-27871B5F634F}"/>
-              </a:ext>
-            </a:extLst>
-          </p:cNvPr>
-          <p:cNvPicPr>
-            <a:picLocks noChangeAspect="1"/>
-          </p:cNvPicPr>
-          <p:nvPr/>
-        </p:nvPicPr>
-        <p:blipFill>
-          <a:blip r:embed="rId2">
-            <a:extLst>
-              <a:ext uri="{28A0092B-C50C-407E-A947-70E740481C1C}">
-                <a14:useLocalDpi xmlns:a14="http://schemas.microsoft.com/office/drawing/2010/main" val="0"/>
-              </a:ext>
-            </a:extLst>
-          </a:blip>
-          <a:stretch>
-            <a:fillRect/>
-          </a:stretch>
-        </p:blipFill>
-        <p:spPr>
-          <a:xfrm>
-            <a:off x="340622" y="6362072"/>
-            <a:ext cx="2154700" cy="308365"/>
-          </a:xfrm>
-          <a:prstGeom prst="rect">
-            <a:avLst/>
-          </a:prstGeom>
-        </p:spPr>
-      </p:pic>
     </p:spTree>
     <p:extLst>
       <p:ext uri="{BB962C8B-B14F-4D97-AF65-F5344CB8AC3E}">
@@ -11121,42 +11097,6 @@
           </a:p>
         </p:txBody>
       </p:sp>
-      <p:pic>
-        <p:nvPicPr>
-          <p:cNvPr id="20" name="Resim 19">
-            <a:extLst>
-              <a:ext uri="{FF2B5EF4-FFF2-40B4-BE49-F238E27FC236}">
-                <a16:creationId xmlns:a16="http://schemas.microsoft.com/office/drawing/2014/main" id="{D14019F3-D6A4-44C9-977F-98DE73C02B7D}"/>
-              </a:ext>
-            </a:extLst>
-          </p:cNvPr>
-          <p:cNvPicPr>
-            <a:picLocks noChangeAspect="1"/>
-          </p:cNvPicPr>
-          <p:nvPr/>
-        </p:nvPicPr>
-        <p:blipFill>
-          <a:blip r:embed="rId2">
-            <a:extLst>
-              <a:ext uri="{28A0092B-C50C-407E-A947-70E740481C1C}">
-                <a14:useLocalDpi xmlns:a14="http://schemas.microsoft.com/office/drawing/2010/main" val="0"/>
-              </a:ext>
-            </a:extLst>
-          </a:blip>
-          <a:stretch>
-            <a:fillRect/>
-          </a:stretch>
-        </p:blipFill>
-        <p:spPr>
-          <a:xfrm>
-            <a:off x="340622" y="6377062"/>
-            <a:ext cx="2154700" cy="308365"/>
-          </a:xfrm>
-          <a:prstGeom prst="rect">
-            <a:avLst/>
-          </a:prstGeom>
-        </p:spPr>
-      </p:pic>
     </p:spTree>
     <p:extLst>
       <p:ext uri="{BB962C8B-B14F-4D97-AF65-F5344CB8AC3E}">
@@ -11533,42 +11473,6 @@
           </a:p>
         </p:txBody>
       </p:sp>
-      <p:pic>
-        <p:nvPicPr>
-          <p:cNvPr id="20" name="Resim 19">
-            <a:extLst>
-              <a:ext uri="{FF2B5EF4-FFF2-40B4-BE49-F238E27FC236}">
-                <a16:creationId xmlns:a16="http://schemas.microsoft.com/office/drawing/2014/main" id="{B06E2AC6-A847-45D6-9E9E-23F1E7721BE3}"/>
-              </a:ext>
-            </a:extLst>
-          </p:cNvPr>
-          <p:cNvPicPr>
-            <a:picLocks noChangeAspect="1"/>
-          </p:cNvPicPr>
-          <p:nvPr/>
-        </p:nvPicPr>
-        <p:blipFill>
-          <a:blip r:embed="rId2">
-            <a:extLst>
-              <a:ext uri="{28A0092B-C50C-407E-A947-70E740481C1C}">
-                <a14:useLocalDpi xmlns:a14="http://schemas.microsoft.com/office/drawing/2010/main" val="0"/>
-              </a:ext>
-            </a:extLst>
-          </a:blip>
-          <a:stretch>
-            <a:fillRect/>
-          </a:stretch>
-        </p:blipFill>
-        <p:spPr>
-          <a:xfrm>
-            <a:off x="340622" y="6362072"/>
-            <a:ext cx="2154700" cy="308365"/>
-          </a:xfrm>
-          <a:prstGeom prst="rect">
-            <a:avLst/>
-          </a:prstGeom>
-        </p:spPr>
-      </p:pic>
     </p:spTree>
     <p:extLst>
       <p:ext uri="{BB962C8B-B14F-4D97-AF65-F5344CB8AC3E}">
@@ -11945,42 +11849,6 @@
           </a:p>
         </p:txBody>
       </p:sp>
-      <p:pic>
-        <p:nvPicPr>
-          <p:cNvPr id="20" name="Resim 19">
-            <a:extLst>
-              <a:ext uri="{FF2B5EF4-FFF2-40B4-BE49-F238E27FC236}">
-                <a16:creationId xmlns:a16="http://schemas.microsoft.com/office/drawing/2014/main" id="{8E25EF7E-97AC-4011-A70E-D0F8BA6674E9}"/>
-              </a:ext>
-            </a:extLst>
-          </p:cNvPr>
-          <p:cNvPicPr>
-            <a:picLocks noChangeAspect="1"/>
-          </p:cNvPicPr>
-          <p:nvPr/>
-        </p:nvPicPr>
-        <p:blipFill>
-          <a:blip r:embed="rId2">
-            <a:extLst>
-              <a:ext uri="{28A0092B-C50C-407E-A947-70E740481C1C}">
-                <a14:useLocalDpi xmlns:a14="http://schemas.microsoft.com/office/drawing/2010/main" val="0"/>
-              </a:ext>
-            </a:extLst>
-          </a:blip>
-          <a:stretch>
-            <a:fillRect/>
-          </a:stretch>
-        </p:blipFill>
-        <p:spPr>
-          <a:xfrm>
-            <a:off x="340622" y="6362072"/>
-            <a:ext cx="2154700" cy="308365"/>
-          </a:xfrm>
-          <a:prstGeom prst="rect">
-            <a:avLst/>
-          </a:prstGeom>
-        </p:spPr>
-      </p:pic>
     </p:spTree>
     <p:extLst>
       <p:ext uri="{BB962C8B-B14F-4D97-AF65-F5344CB8AC3E}">
@@ -12378,42 +12246,6 @@
           </a:p>
         </p:txBody>
       </p:sp>
-      <p:pic>
-        <p:nvPicPr>
-          <p:cNvPr id="20" name="Resim 19">
-            <a:extLst>
-              <a:ext uri="{FF2B5EF4-FFF2-40B4-BE49-F238E27FC236}">
-                <a16:creationId xmlns:a16="http://schemas.microsoft.com/office/drawing/2014/main" id="{0B67C6DF-49D2-4C73-B8C4-7D3C4CC78AC2}"/>
-              </a:ext>
-            </a:extLst>
-          </p:cNvPr>
-          <p:cNvPicPr>
-            <a:picLocks noChangeAspect="1"/>
-          </p:cNvPicPr>
-          <p:nvPr/>
-        </p:nvPicPr>
-        <p:blipFill>
-          <a:blip r:embed="rId2">
-            <a:extLst>
-              <a:ext uri="{28A0092B-C50C-407E-A947-70E740481C1C}">
-                <a14:useLocalDpi xmlns:a14="http://schemas.microsoft.com/office/drawing/2010/main" val="0"/>
-              </a:ext>
-            </a:extLst>
-          </a:blip>
-          <a:stretch>
-            <a:fillRect/>
-          </a:stretch>
-        </p:blipFill>
-        <p:spPr>
-          <a:xfrm>
-            <a:off x="340622" y="6362072"/>
-            <a:ext cx="2154700" cy="308365"/>
-          </a:xfrm>
-          <a:prstGeom prst="rect">
-            <a:avLst/>
-          </a:prstGeom>
-        </p:spPr>
-      </p:pic>
     </p:spTree>
     <p:extLst>
       <p:ext uri="{BB962C8B-B14F-4D97-AF65-F5344CB8AC3E}">
@@ -12796,42 +12628,6 @@
           </a:p>
         </p:txBody>
       </p:sp>
-      <p:pic>
-        <p:nvPicPr>
-          <p:cNvPr id="20" name="Resim 19">
-            <a:extLst>
-              <a:ext uri="{FF2B5EF4-FFF2-40B4-BE49-F238E27FC236}">
-                <a16:creationId xmlns:a16="http://schemas.microsoft.com/office/drawing/2014/main" id="{A1CC8CFC-63D7-446F-B95C-95E852FCB166}"/>
-              </a:ext>
-            </a:extLst>
-          </p:cNvPr>
-          <p:cNvPicPr>
-            <a:picLocks noChangeAspect="1"/>
-          </p:cNvPicPr>
-          <p:nvPr/>
-        </p:nvPicPr>
-        <p:blipFill>
-          <a:blip r:embed="rId2">
-            <a:extLst>
-              <a:ext uri="{28A0092B-C50C-407E-A947-70E740481C1C}">
-                <a14:useLocalDpi xmlns:a14="http://schemas.microsoft.com/office/drawing/2010/main" val="0"/>
-              </a:ext>
-            </a:extLst>
-          </a:blip>
-          <a:stretch>
-            <a:fillRect/>
-          </a:stretch>
-        </p:blipFill>
-        <p:spPr>
-          <a:xfrm>
-            <a:off x="340622" y="6362072"/>
-            <a:ext cx="2154700" cy="308365"/>
-          </a:xfrm>
-          <a:prstGeom prst="rect">
-            <a:avLst/>
-          </a:prstGeom>
-        </p:spPr>
-      </p:pic>
     </p:spTree>
     <p:extLst>
       <p:ext uri="{BB962C8B-B14F-4D97-AF65-F5344CB8AC3E}">
@@ -13214,42 +13010,6 @@
           </a:p>
         </p:txBody>
       </p:sp>
-      <p:pic>
-        <p:nvPicPr>
-          <p:cNvPr id="20" name="Resim 19">
-            <a:extLst>
-              <a:ext uri="{FF2B5EF4-FFF2-40B4-BE49-F238E27FC236}">
-                <a16:creationId xmlns:a16="http://schemas.microsoft.com/office/drawing/2014/main" id="{13154C45-2A10-47B6-AFB8-0BEE1AF0CF08}"/>
-              </a:ext>
-            </a:extLst>
-          </p:cNvPr>
-          <p:cNvPicPr>
-            <a:picLocks noChangeAspect="1"/>
-          </p:cNvPicPr>
-          <p:nvPr/>
-        </p:nvPicPr>
-        <p:blipFill>
-          <a:blip r:embed="rId2">
-            <a:extLst>
-              <a:ext uri="{28A0092B-C50C-407E-A947-70E740481C1C}">
-                <a14:useLocalDpi xmlns:a14="http://schemas.microsoft.com/office/drawing/2010/main" val="0"/>
-              </a:ext>
-            </a:extLst>
-          </a:blip>
-          <a:stretch>
-            <a:fillRect/>
-          </a:stretch>
-        </p:blipFill>
-        <p:spPr>
-          <a:xfrm>
-            <a:off x="340622" y="6362072"/>
-            <a:ext cx="2154700" cy="308365"/>
-          </a:xfrm>
-          <a:prstGeom prst="rect">
-            <a:avLst/>
-          </a:prstGeom>
-        </p:spPr>
-      </p:pic>
     </p:spTree>
     <p:extLst>
       <p:ext uri="{BB962C8B-B14F-4D97-AF65-F5344CB8AC3E}">
@@ -13699,42 +13459,6 @@
           </a:p>
         </p:txBody>
       </p:sp>
-      <p:pic>
-        <p:nvPicPr>
-          <p:cNvPr id="20" name="Resim 19">
-            <a:extLst>
-              <a:ext uri="{FF2B5EF4-FFF2-40B4-BE49-F238E27FC236}">
-                <a16:creationId xmlns:a16="http://schemas.microsoft.com/office/drawing/2014/main" id="{156E6A5C-A241-4C55-BD19-3186637CC5D5}"/>
-              </a:ext>
-            </a:extLst>
-          </p:cNvPr>
-          <p:cNvPicPr>
-            <a:picLocks noChangeAspect="1"/>
-          </p:cNvPicPr>
-          <p:nvPr/>
-        </p:nvPicPr>
-        <p:blipFill>
-          <a:blip r:embed="rId2">
-            <a:extLst>
-              <a:ext uri="{28A0092B-C50C-407E-A947-70E740481C1C}">
-                <a14:useLocalDpi xmlns:a14="http://schemas.microsoft.com/office/drawing/2010/main" val="0"/>
-              </a:ext>
-            </a:extLst>
-          </a:blip>
-          <a:stretch>
-            <a:fillRect/>
-          </a:stretch>
-        </p:blipFill>
-        <p:spPr>
-          <a:xfrm>
-            <a:off x="340622" y="6362072"/>
-            <a:ext cx="2154700" cy="308365"/>
-          </a:xfrm>
-          <a:prstGeom prst="rect">
-            <a:avLst/>
-          </a:prstGeom>
-        </p:spPr>
-      </p:pic>
     </p:spTree>
     <p:extLst>
       <p:ext uri="{BB962C8B-B14F-4D97-AF65-F5344CB8AC3E}">
@@ -14229,42 +13953,6 @@
           </a:p>
         </p:txBody>
       </p:sp>
-      <p:pic>
-        <p:nvPicPr>
-          <p:cNvPr id="23" name="Resim 22">
-            <a:extLst>
-              <a:ext uri="{FF2B5EF4-FFF2-40B4-BE49-F238E27FC236}">
-                <a16:creationId xmlns:a16="http://schemas.microsoft.com/office/drawing/2014/main" id="{DFBB3C42-2A16-4BAE-A4A5-97F9EF018732}"/>
-              </a:ext>
-            </a:extLst>
-          </p:cNvPr>
-          <p:cNvPicPr>
-            <a:picLocks noChangeAspect="1"/>
-          </p:cNvPicPr>
-          <p:nvPr/>
-        </p:nvPicPr>
-        <p:blipFill>
-          <a:blip r:embed="rId2">
-            <a:extLst>
-              <a:ext uri="{28A0092B-C50C-407E-A947-70E740481C1C}">
-                <a14:useLocalDpi xmlns:a14="http://schemas.microsoft.com/office/drawing/2010/main" val="0"/>
-              </a:ext>
-            </a:extLst>
-          </a:blip>
-          <a:stretch>
-            <a:fillRect/>
-          </a:stretch>
-        </p:blipFill>
-        <p:spPr>
-          <a:xfrm>
-            <a:off x="340622" y="6362072"/>
-            <a:ext cx="2154700" cy="308365"/>
-          </a:xfrm>
-          <a:prstGeom prst="rect">
-            <a:avLst/>
-          </a:prstGeom>
-        </p:spPr>
-      </p:pic>
     </p:spTree>
     <p:extLst>
       <p:ext uri="{BB962C8B-B14F-4D97-AF65-F5344CB8AC3E}">
@@ -14476,42 +14164,6 @@
           </a:p>
         </p:txBody>
       </p:sp>
-      <p:pic>
-        <p:nvPicPr>
-          <p:cNvPr id="13" name="Resim 12">
-            <a:extLst>
-              <a:ext uri="{FF2B5EF4-FFF2-40B4-BE49-F238E27FC236}">
-                <a16:creationId xmlns:a16="http://schemas.microsoft.com/office/drawing/2014/main" id="{E32DEDFA-51A8-4E3E-905C-64F878E24D41}"/>
-              </a:ext>
-            </a:extLst>
-          </p:cNvPr>
-          <p:cNvPicPr>
-            <a:picLocks noChangeAspect="1"/>
-          </p:cNvPicPr>
-          <p:nvPr/>
-        </p:nvPicPr>
-        <p:blipFill>
-          <a:blip r:embed="rId2">
-            <a:extLst>
-              <a:ext uri="{28A0092B-C50C-407E-A947-70E740481C1C}">
-                <a14:useLocalDpi xmlns:a14="http://schemas.microsoft.com/office/drawing/2010/main" val="0"/>
-              </a:ext>
-            </a:extLst>
-          </a:blip>
-          <a:stretch>
-            <a:fillRect/>
-          </a:stretch>
-        </p:blipFill>
-        <p:spPr>
-          <a:xfrm>
-            <a:off x="340622" y="6362072"/>
-            <a:ext cx="2154700" cy="308365"/>
-          </a:xfrm>
-          <a:prstGeom prst="rect">
-            <a:avLst/>
-          </a:prstGeom>
-        </p:spPr>
-      </p:pic>
     </p:spTree>
     <p:extLst>
       <p:ext uri="{BB962C8B-B14F-4D97-AF65-F5344CB8AC3E}">
@@ -14603,42 +14255,6 @@
           <a:xfrm>
             <a:off x="2426516" y="0"/>
             <a:ext cx="7297168" cy="5944430"/>
-          </a:xfrm>
-          <a:prstGeom prst="rect">
-            <a:avLst/>
-          </a:prstGeom>
-        </p:spPr>
-      </p:pic>
-      <p:pic>
-        <p:nvPicPr>
-          <p:cNvPr id="11" name="Resim 10">
-            <a:extLst>
-              <a:ext uri="{FF2B5EF4-FFF2-40B4-BE49-F238E27FC236}">
-                <a16:creationId xmlns:a16="http://schemas.microsoft.com/office/drawing/2014/main" id="{B1A5A5A1-DA50-45FC-85A3-6BDF31F87145}"/>
-              </a:ext>
-            </a:extLst>
-          </p:cNvPr>
-          <p:cNvPicPr>
-            <a:picLocks noChangeAspect="1"/>
-          </p:cNvPicPr>
-          <p:nvPr/>
-        </p:nvPicPr>
-        <p:blipFill>
-          <a:blip r:embed="rId3">
-            <a:extLst>
-              <a:ext uri="{28A0092B-C50C-407E-A947-70E740481C1C}">
-                <a14:useLocalDpi xmlns:a14="http://schemas.microsoft.com/office/drawing/2010/main" val="0"/>
-              </a:ext>
-            </a:extLst>
-          </a:blip>
-          <a:stretch>
-            <a:fillRect/>
-          </a:stretch>
-        </p:blipFill>
-        <p:spPr>
-          <a:xfrm>
-            <a:off x="340622" y="6362072"/>
-            <a:ext cx="2154700" cy="308365"/>
           </a:xfrm>
           <a:prstGeom prst="rect">
             <a:avLst/>
@@ -14792,42 +14408,6 @@
           </a:p>
         </p:txBody>
       </p:sp>
-      <p:pic>
-        <p:nvPicPr>
-          <p:cNvPr id="11" name="Resim 10">
-            <a:extLst>
-              <a:ext uri="{FF2B5EF4-FFF2-40B4-BE49-F238E27FC236}">
-                <a16:creationId xmlns:a16="http://schemas.microsoft.com/office/drawing/2014/main" id="{7B32EF2D-3F47-493A-AA61-5BD58589A420}"/>
-              </a:ext>
-            </a:extLst>
-          </p:cNvPr>
-          <p:cNvPicPr>
-            <a:picLocks noChangeAspect="1"/>
-          </p:cNvPicPr>
-          <p:nvPr/>
-        </p:nvPicPr>
-        <p:blipFill>
-          <a:blip r:embed="rId2">
-            <a:extLst>
-              <a:ext uri="{28A0092B-C50C-407E-A947-70E740481C1C}">
-                <a14:useLocalDpi xmlns:a14="http://schemas.microsoft.com/office/drawing/2010/main" val="0"/>
-              </a:ext>
-            </a:extLst>
-          </a:blip>
-          <a:stretch>
-            <a:fillRect/>
-          </a:stretch>
-        </p:blipFill>
-        <p:spPr>
-          <a:xfrm>
-            <a:off x="340622" y="6362072"/>
-            <a:ext cx="2154700" cy="308365"/>
-          </a:xfrm>
-          <a:prstGeom prst="rect">
-            <a:avLst/>
-          </a:prstGeom>
-        </p:spPr>
-      </p:pic>
     </p:spTree>
     <p:extLst>
       <p:ext uri="{BB962C8B-B14F-4D97-AF65-F5344CB8AC3E}">
@@ -15051,42 +14631,6 @@
           </a:p>
         </p:txBody>
       </p:sp>
-      <p:pic>
-        <p:nvPicPr>
-          <p:cNvPr id="13" name="Resim 12">
-            <a:extLst>
-              <a:ext uri="{FF2B5EF4-FFF2-40B4-BE49-F238E27FC236}">
-                <a16:creationId xmlns:a16="http://schemas.microsoft.com/office/drawing/2014/main" id="{6209FC37-3E20-4775-B0D3-7A49F58D952D}"/>
-              </a:ext>
-            </a:extLst>
-          </p:cNvPr>
-          <p:cNvPicPr>
-            <a:picLocks noChangeAspect="1"/>
-          </p:cNvPicPr>
-          <p:nvPr/>
-        </p:nvPicPr>
-        <p:blipFill>
-          <a:blip r:embed="rId2">
-            <a:extLst>
-              <a:ext uri="{28A0092B-C50C-407E-A947-70E740481C1C}">
-                <a14:useLocalDpi xmlns:a14="http://schemas.microsoft.com/office/drawing/2010/main" val="0"/>
-              </a:ext>
-            </a:extLst>
-          </a:blip>
-          <a:stretch>
-            <a:fillRect/>
-          </a:stretch>
-        </p:blipFill>
-        <p:spPr>
-          <a:xfrm>
-            <a:off x="340622" y="6362072"/>
-            <a:ext cx="2154700" cy="308365"/>
-          </a:xfrm>
-          <a:prstGeom prst="rect">
-            <a:avLst/>
-          </a:prstGeom>
-        </p:spPr>
-      </p:pic>
     </p:spTree>
     <p:extLst>
       <p:ext uri="{BB962C8B-B14F-4D97-AF65-F5344CB8AC3E}">
@@ -15495,42 +15039,6 @@
           </a:p>
         </p:txBody>
       </p:sp>
-      <p:pic>
-        <p:nvPicPr>
-          <p:cNvPr id="21" name="Resim 20">
-            <a:extLst>
-              <a:ext uri="{FF2B5EF4-FFF2-40B4-BE49-F238E27FC236}">
-                <a16:creationId xmlns:a16="http://schemas.microsoft.com/office/drawing/2014/main" id="{7601D01C-8B7F-483E-AA3B-06E9E936DAD1}"/>
-              </a:ext>
-            </a:extLst>
-          </p:cNvPr>
-          <p:cNvPicPr>
-            <a:picLocks noChangeAspect="1"/>
-          </p:cNvPicPr>
-          <p:nvPr/>
-        </p:nvPicPr>
-        <p:blipFill>
-          <a:blip r:embed="rId2">
-            <a:extLst>
-              <a:ext uri="{28A0092B-C50C-407E-A947-70E740481C1C}">
-                <a14:useLocalDpi xmlns:a14="http://schemas.microsoft.com/office/drawing/2010/main" val="0"/>
-              </a:ext>
-            </a:extLst>
-          </a:blip>
-          <a:stretch>
-            <a:fillRect/>
-          </a:stretch>
-        </p:blipFill>
-        <p:spPr>
-          <a:xfrm>
-            <a:off x="340622" y="6362072"/>
-            <a:ext cx="2154700" cy="308365"/>
-          </a:xfrm>
-          <a:prstGeom prst="rect">
-            <a:avLst/>
-          </a:prstGeom>
-        </p:spPr>
-      </p:pic>
     </p:spTree>
     <p:extLst>
       <p:ext uri="{BB962C8B-B14F-4D97-AF65-F5344CB8AC3E}">
@@ -15939,42 +15447,6 @@
           </a:p>
         </p:txBody>
       </p:sp>
-      <p:pic>
-        <p:nvPicPr>
-          <p:cNvPr id="22" name="Resim 21">
-            <a:extLst>
-              <a:ext uri="{FF2B5EF4-FFF2-40B4-BE49-F238E27FC236}">
-                <a16:creationId xmlns:a16="http://schemas.microsoft.com/office/drawing/2014/main" id="{1D7213A0-BDA5-4E0E-9FD1-84EA68A0C1BA}"/>
-              </a:ext>
-            </a:extLst>
-          </p:cNvPr>
-          <p:cNvPicPr>
-            <a:picLocks noChangeAspect="1"/>
-          </p:cNvPicPr>
-          <p:nvPr/>
-        </p:nvPicPr>
-        <p:blipFill>
-          <a:blip r:embed="rId2">
-            <a:extLst>
-              <a:ext uri="{28A0092B-C50C-407E-A947-70E740481C1C}">
-                <a14:useLocalDpi xmlns:a14="http://schemas.microsoft.com/office/drawing/2010/main" val="0"/>
-              </a:ext>
-            </a:extLst>
-          </a:blip>
-          <a:stretch>
-            <a:fillRect/>
-          </a:stretch>
-        </p:blipFill>
-        <p:spPr>
-          <a:xfrm>
-            <a:off x="340622" y="6362072"/>
-            <a:ext cx="2154700" cy="308365"/>
-          </a:xfrm>
-          <a:prstGeom prst="rect">
-            <a:avLst/>
-          </a:prstGeom>
-        </p:spPr>
-      </p:pic>
     </p:spTree>
     <p:extLst>
       <p:ext uri="{BB962C8B-B14F-4D97-AF65-F5344CB8AC3E}">
@@ -16792,42 +16264,6 @@
           </a:p>
         </p:txBody>
       </p:sp>
-      <p:pic>
-        <p:nvPicPr>
-          <p:cNvPr id="26" name="Resim 25">
-            <a:extLst>
-              <a:ext uri="{FF2B5EF4-FFF2-40B4-BE49-F238E27FC236}">
-                <a16:creationId xmlns:a16="http://schemas.microsoft.com/office/drawing/2014/main" id="{63D017B3-29D8-4FF1-9D51-0C7AA10CAA4B}"/>
-              </a:ext>
-            </a:extLst>
-          </p:cNvPr>
-          <p:cNvPicPr>
-            <a:picLocks noChangeAspect="1"/>
-          </p:cNvPicPr>
-          <p:nvPr/>
-        </p:nvPicPr>
-        <p:blipFill>
-          <a:blip r:embed="rId2">
-            <a:extLst>
-              <a:ext uri="{28A0092B-C50C-407E-A947-70E740481C1C}">
-                <a14:useLocalDpi xmlns:a14="http://schemas.microsoft.com/office/drawing/2010/main" val="0"/>
-              </a:ext>
-            </a:extLst>
-          </a:blip>
-          <a:stretch>
-            <a:fillRect/>
-          </a:stretch>
-        </p:blipFill>
-        <p:spPr>
-          <a:xfrm>
-            <a:off x="340622" y="6362072"/>
-            <a:ext cx="2154700" cy="308365"/>
-          </a:xfrm>
-          <a:prstGeom prst="rect">
-            <a:avLst/>
-          </a:prstGeom>
-        </p:spPr>
-      </p:pic>
     </p:spTree>
     <p:extLst>
       <p:ext uri="{BB962C8B-B14F-4D97-AF65-F5344CB8AC3E}">
@@ -17237,42 +16673,6 @@
           </a:p>
         </p:txBody>
       </p:sp>
-      <p:pic>
-        <p:nvPicPr>
-          <p:cNvPr id="20" name="Resim 19">
-            <a:extLst>
-              <a:ext uri="{FF2B5EF4-FFF2-40B4-BE49-F238E27FC236}">
-                <a16:creationId xmlns:a16="http://schemas.microsoft.com/office/drawing/2014/main" id="{C3B6A2BC-5724-4820-9BB3-9FACDAFFE074}"/>
-              </a:ext>
-            </a:extLst>
-          </p:cNvPr>
-          <p:cNvPicPr>
-            <a:picLocks noChangeAspect="1"/>
-          </p:cNvPicPr>
-          <p:nvPr/>
-        </p:nvPicPr>
-        <p:blipFill>
-          <a:blip r:embed="rId2">
-            <a:extLst>
-              <a:ext uri="{28A0092B-C50C-407E-A947-70E740481C1C}">
-                <a14:useLocalDpi xmlns:a14="http://schemas.microsoft.com/office/drawing/2010/main" val="0"/>
-              </a:ext>
-            </a:extLst>
-          </a:blip>
-          <a:stretch>
-            <a:fillRect/>
-          </a:stretch>
-        </p:blipFill>
-        <p:spPr>
-          <a:xfrm>
-            <a:off x="340622" y="6362072"/>
-            <a:ext cx="2154700" cy="308365"/>
-          </a:xfrm>
-          <a:prstGeom prst="rect">
-            <a:avLst/>
-          </a:prstGeom>
-        </p:spPr>
-      </p:pic>
     </p:spTree>
     <p:extLst>
       <p:ext uri="{BB962C8B-B14F-4D97-AF65-F5344CB8AC3E}">
